--- a/LateX/Final-Presentation/Ανιχνευση μη τεχνικων απωλειων με συστηματα μηχανικης μαθησης.pptx
+++ b/LateX/Final-Presentation/Ανιχνευση μη τεχνικων απωλειων με συστηματα μηχανικης μαθησης.pptx
@@ -376,7 +376,7 @@
             <a:fld id="{B61BEF0D-F0BB-DE4B-95CE-6DB70DBA9567}" type="datetimeFigureOut">
               <a:rPr lang="en-US" dirty="0"/>
               <a:pPr/>
-              <a:t>10/23/2017</a:t>
+              <a:t>10/24/2017</a:t>
             </a:fld>
             <a:endParaRPr lang="en-US" dirty="0"/>
           </a:p>
@@ -635,7 +635,7 @@
             <a:fld id="{B61BEF0D-F0BB-DE4B-95CE-6DB70DBA9567}" type="datetimeFigureOut">
               <a:rPr lang="en-US" dirty="0"/>
               <a:pPr/>
-              <a:t>10/23/2017</a:t>
+              <a:t>10/24/2017</a:t>
             </a:fld>
             <a:endParaRPr lang="en-US" dirty="0"/>
           </a:p>
@@ -867,7 +867,7 @@
             <a:fld id="{B61BEF0D-F0BB-DE4B-95CE-6DB70DBA9567}" type="datetimeFigureOut">
               <a:rPr lang="en-US" dirty="0"/>
               <a:pPr/>
-              <a:t>10/23/2017</a:t>
+              <a:t>10/24/2017</a:t>
             </a:fld>
             <a:endParaRPr lang="en-US" dirty="0"/>
           </a:p>
@@ -1104,7 +1104,7 @@
             <a:fld id="{B61BEF0D-F0BB-DE4B-95CE-6DB70DBA9567}" type="datetimeFigureOut">
               <a:rPr lang="en-US" dirty="0"/>
               <a:pPr/>
-              <a:t>10/23/2017</a:t>
+              <a:t>10/24/2017</a:t>
             </a:fld>
             <a:endParaRPr lang="en-US" dirty="0"/>
           </a:p>
@@ -1408,7 +1408,7 @@
             <a:fld id="{B61BEF0D-F0BB-DE4B-95CE-6DB70DBA9567}" type="datetimeFigureOut">
               <a:rPr lang="en-US" dirty="0"/>
               <a:pPr/>
-              <a:t>10/23/2017</a:t>
+              <a:t>10/24/2017</a:t>
             </a:fld>
             <a:endParaRPr lang="en-US" dirty="0"/>
           </a:p>
@@ -1707,7 +1707,7 @@
             <a:fld id="{B61BEF0D-F0BB-DE4B-95CE-6DB70DBA9567}" type="datetimeFigureOut">
               <a:rPr lang="en-US" dirty="0"/>
               <a:pPr/>
-              <a:t>10/23/2017</a:t>
+              <a:t>10/24/2017</a:t>
             </a:fld>
             <a:endParaRPr lang="en-US" dirty="0"/>
           </a:p>
@@ -2126,7 +2126,7 @@
             <a:fld id="{B61BEF0D-F0BB-DE4B-95CE-6DB70DBA9567}" type="datetimeFigureOut">
               <a:rPr lang="en-US" dirty="0"/>
               <a:pPr/>
-              <a:t>10/23/2017</a:t>
+              <a:t>10/24/2017</a:t>
             </a:fld>
             <a:endParaRPr lang="en-US" dirty="0"/>
           </a:p>
@@ -2285,7 +2285,7 @@
             <a:fld id="{B61BEF0D-F0BB-DE4B-95CE-6DB70DBA9567}" type="datetimeFigureOut">
               <a:rPr lang="en-US" dirty="0"/>
               <a:pPr/>
-              <a:t>10/23/2017</a:t>
+              <a:t>10/24/2017</a:t>
             </a:fld>
             <a:endParaRPr lang="en-US" dirty="0"/>
           </a:p>
@@ -2377,7 +2377,7 @@
             <a:fld id="{B61BEF0D-F0BB-DE4B-95CE-6DB70DBA9567}" type="datetimeFigureOut">
               <a:rPr lang="en-US" dirty="0"/>
               <a:pPr/>
-              <a:t>10/23/2017</a:t>
+              <a:t>10/24/2017</a:t>
             </a:fld>
             <a:endParaRPr lang="en-US" dirty="0"/>
           </a:p>
@@ -2752,7 +2752,7 @@
             <a:fld id="{B61BEF0D-F0BB-DE4B-95CE-6DB70DBA9567}" type="datetimeFigureOut">
               <a:rPr lang="en-US" dirty="0"/>
               <a:pPr/>
-              <a:t>10/23/2017</a:t>
+              <a:t>10/24/2017</a:t>
             </a:fld>
             <a:endParaRPr lang="en-US" dirty="0"/>
           </a:p>
@@ -3038,7 +3038,7 @@
             <a:fld id="{B61BEF0D-F0BB-DE4B-95CE-6DB70DBA9567}" type="datetimeFigureOut">
               <a:rPr lang="en-US" dirty="0"/>
               <a:pPr/>
-              <a:t>10/23/2017</a:t>
+              <a:t>10/24/2017</a:t>
             </a:fld>
             <a:endParaRPr lang="en-US" dirty="0"/>
           </a:p>
@@ -3246,7 +3246,7 @@
             <a:fld id="{B61BEF0D-F0BB-DE4B-95CE-6DB70DBA9567}" type="datetimeFigureOut">
               <a:rPr lang="en-US" dirty="0"/>
               <a:pPr/>
-              <a:t>10/23/2017</a:t>
+              <a:t>10/24/2017</a:t>
             </a:fld>
             <a:endParaRPr lang="en-US" dirty="0"/>
           </a:p>
@@ -3885,15 +3885,11 @@
             <a:pPr algn="ctr"/>
             <a:r>
               <a:rPr lang="en-US" smtClean="0"/>
-              <a:t>23 </a:t>
-            </a:r>
-            <a:r>
-              <a:rPr lang="el-GR" smtClean="0"/>
-              <a:t>οκτωβρΙου </a:t>
+              <a:t>24 </a:t>
             </a:r>
             <a:r>
               <a:rPr lang="el-GR" dirty="0" smtClean="0"/>
-              <a:t>– μητσελοσ αθανασιοσ</a:t>
+              <a:t>οκτωβρΙου – μητσελοσ αθανασιοσ</a:t>
             </a:r>
             <a:endParaRPr lang="el-GR" dirty="0"/>
           </a:p>
